--- a/challenges/30-final/mockup2.pptx
+++ b/challenges/30-final/mockup2.pptx
@@ -3226,7 +3226,7 @@
         </p:nvSpPr>
         <p:spPr>
           <a:xfrm>
-            <a:off x="20565684" y="15139566"/>
+            <a:off x="21323348" y="15614703"/>
             <a:ext cx="8984406" cy="8984406"/>
           </a:xfrm>
           <a:prstGeom prst="rect">
@@ -3392,7 +3392,7 @@
         </p:nvSpPr>
         <p:spPr>
           <a:xfrm>
-            <a:off x="20197141" y="5741716"/>
+            <a:off x="20907622" y="5576878"/>
             <a:ext cx="8984406" cy="8984406"/>
           </a:xfrm>
           <a:prstGeom prst="rect">
@@ -3520,7 +3520,7 @@
         </p:blipFill>
         <p:spPr>
           <a:xfrm rot="16200000">
-            <a:off x="-6708287" y="16543279"/>
+            <a:off x="-5882988" y="16949948"/>
             <a:ext cx="42299014" cy="9418140"/>
           </a:xfrm>
           <a:prstGeom prst="rect">
@@ -3674,7 +3674,7 @@
         </p:nvSpPr>
         <p:spPr>
           <a:xfrm>
-            <a:off x="17858965" y="23709187"/>
+            <a:off x="19218033" y="28082872"/>
             <a:ext cx="12363583" cy="11811000"/>
           </a:xfrm>
           <a:custGeom>
